--- a/slides/aliasing.pptx
+++ b/slides/aliasing.pptx
@@ -213,7 +213,7 @@
           <a:p>
             <a:fld id="{8A1B613A-EFF1-404F-BEE8-EFAE84A4E5E2}" type="datetimeFigureOut">
               <a:rPr lang="en-US" smtClean="0"/>
-              <a:t>6/15/21</a:t>
+              <a:t>6/22/21</a:t>
             </a:fld>
             <a:endParaRPr lang="en-US"/>
           </a:p>
@@ -378,7 +378,7 @@
           <a:p>
             <a:fld id="{690847EA-AC25-3D4E-89E1-FD3F6A9702B6}" type="datetimeFigureOut">
               <a:rPr lang="en-US" smtClean="0"/>
-              <a:t>6/15/21</a:t>
+              <a:t>6/22/21</a:t>
             </a:fld>
             <a:endParaRPr lang="en-US"/>
           </a:p>
@@ -792,7 +792,7 @@
           <a:p>
             <a:fld id="{BE5295ED-3BAF-1140-8495-3D368771D6B1}" type="datetimeFigureOut">
               <a:rPr lang="en-US" smtClean="0"/>
-              <a:t>6/15/21</a:t>
+              <a:t>6/22/21</a:t>
             </a:fld>
             <a:endParaRPr lang="en-US"/>
           </a:p>
@@ -990,7 +990,7 @@
           <a:p>
             <a:fld id="{BE5295ED-3BAF-1140-8495-3D368771D6B1}" type="datetimeFigureOut">
               <a:rPr lang="en-US" smtClean="0"/>
-              <a:t>6/15/21</a:t>
+              <a:t>6/22/21</a:t>
             </a:fld>
             <a:endParaRPr lang="en-US"/>
           </a:p>
@@ -1198,7 +1198,7 @@
           <a:p>
             <a:fld id="{BE5295ED-3BAF-1140-8495-3D368771D6B1}" type="datetimeFigureOut">
               <a:rPr lang="en-US" smtClean="0"/>
-              <a:t>6/15/21</a:t>
+              <a:t>6/22/21</a:t>
             </a:fld>
             <a:endParaRPr lang="en-US"/>
           </a:p>
@@ -1396,7 +1396,7 @@
           <a:p>
             <a:fld id="{BE5295ED-3BAF-1140-8495-3D368771D6B1}" type="datetimeFigureOut">
               <a:rPr lang="en-US" smtClean="0"/>
-              <a:t>6/15/21</a:t>
+              <a:t>6/22/21</a:t>
             </a:fld>
             <a:endParaRPr lang="en-US"/>
           </a:p>
@@ -1671,7 +1671,7 @@
           <a:p>
             <a:fld id="{BE5295ED-3BAF-1140-8495-3D368771D6B1}" type="datetimeFigureOut">
               <a:rPr lang="en-US" smtClean="0"/>
-              <a:t>6/15/21</a:t>
+              <a:t>6/22/21</a:t>
             </a:fld>
             <a:endParaRPr lang="en-US"/>
           </a:p>
@@ -1936,7 +1936,7 @@
           <a:p>
             <a:fld id="{BE5295ED-3BAF-1140-8495-3D368771D6B1}" type="datetimeFigureOut">
               <a:rPr lang="en-US" smtClean="0"/>
-              <a:t>6/15/21</a:t>
+              <a:t>6/22/21</a:t>
             </a:fld>
             <a:endParaRPr lang="en-US"/>
           </a:p>
@@ -2348,7 +2348,7 @@
           <a:p>
             <a:fld id="{BE5295ED-3BAF-1140-8495-3D368771D6B1}" type="datetimeFigureOut">
               <a:rPr lang="en-US" smtClean="0"/>
-              <a:t>6/15/21</a:t>
+              <a:t>6/22/21</a:t>
             </a:fld>
             <a:endParaRPr lang="en-US"/>
           </a:p>
@@ -2489,7 +2489,7 @@
           <a:p>
             <a:fld id="{BE5295ED-3BAF-1140-8495-3D368771D6B1}" type="datetimeFigureOut">
               <a:rPr lang="en-US" smtClean="0"/>
-              <a:t>6/15/21</a:t>
+              <a:t>6/22/21</a:t>
             </a:fld>
             <a:endParaRPr lang="en-US"/>
           </a:p>
@@ -2602,7 +2602,7 @@
           <a:p>
             <a:fld id="{BE5295ED-3BAF-1140-8495-3D368771D6B1}" type="datetimeFigureOut">
               <a:rPr lang="en-US" smtClean="0"/>
-              <a:t>6/15/21</a:t>
+              <a:t>6/22/21</a:t>
             </a:fld>
             <a:endParaRPr lang="en-US"/>
           </a:p>
@@ -2913,7 +2913,7 @@
           <a:p>
             <a:fld id="{BE5295ED-3BAF-1140-8495-3D368771D6B1}" type="datetimeFigureOut">
               <a:rPr lang="en-US" smtClean="0"/>
-              <a:t>6/15/21</a:t>
+              <a:t>6/22/21</a:t>
             </a:fld>
             <a:endParaRPr lang="en-US"/>
           </a:p>
@@ -3204,7 +3204,7 @@
           <a:p>
             <a:fld id="{BE5295ED-3BAF-1140-8495-3D368771D6B1}" type="datetimeFigureOut">
               <a:rPr lang="en-US" smtClean="0"/>
-              <a:t>6/15/21</a:t>
+              <a:t>6/22/21</a:t>
             </a:fld>
             <a:endParaRPr lang="en-US"/>
           </a:p>
@@ -3445,7 +3445,7 @@
           <a:p>
             <a:fld id="{BE5295ED-3BAF-1140-8495-3D368771D6B1}" type="datetimeFigureOut">
               <a:rPr lang="en-US" smtClean="0"/>
-              <a:t>6/15/21</a:t>
+              <a:t>6/22/21</a:t>
             </a:fld>
             <a:endParaRPr lang="en-US"/>
           </a:p>
@@ -5160,6 +5160,41 @@
           </a:prstGeom>
         </p:spPr>
       </p:pic>
+      <p:sp>
+        <p:nvSpPr>
+          <p:cNvPr id="4" name="TextBox 3">
+            <a:extLst>
+              <a:ext uri="{FF2B5EF4-FFF2-40B4-BE49-F238E27FC236}">
+                <a16:creationId xmlns:a16="http://schemas.microsoft.com/office/drawing/2014/main" id="{A4AFAF45-151F-424D-9872-4AD155FA3E44}"/>
+              </a:ext>
+            </a:extLst>
+          </p:cNvPr>
+          <p:cNvSpPr txBox="1"/>
+          <p:nvPr/>
+        </p:nvSpPr>
+        <p:spPr>
+          <a:xfrm>
+            <a:off x="7138372" y="54809"/>
+            <a:ext cx="5053628" cy="369332"/>
+          </a:xfrm>
+          <a:prstGeom prst="rect">
+            <a:avLst/>
+          </a:prstGeom>
+          <a:noFill/>
+        </p:spPr>
+        <p:txBody>
+          <a:bodyPr wrap="none" rtlCol="0">
+            <a:spAutoFit/>
+          </a:bodyPr>
+          <a:lstStyle/>
+          <a:p>
+            <a:r>
+              <a:rPr lang="en-US" dirty="0"/>
+              <a:t>(We’ll learn about functions in more detail soon)</a:t>
+            </a:r>
+          </a:p>
+        </p:txBody>
+      </p:sp>
     </p:spTree>
     <p:extLst>
       <p:ext uri="{BB962C8B-B14F-4D97-AF65-F5344CB8AC3E}">

--- a/slides/aliasing.pptx
+++ b/slides/aliasing.pptx
@@ -5,10 +5,10 @@
     <p:sldMasterId id="2147483672" r:id="rId1"/>
   </p:sldMasterIdLst>
   <p:notesMasterIdLst>
-    <p:notesMasterId r:id="rId10"/>
+    <p:notesMasterId r:id="rId11"/>
   </p:notesMasterIdLst>
   <p:handoutMasterIdLst>
-    <p:handoutMasterId r:id="rId11"/>
+    <p:handoutMasterId r:id="rId12"/>
   </p:handoutMasterIdLst>
   <p:sldIdLst>
     <p:sldId id="256" r:id="rId2"/>
@@ -19,6 +19,7 @@
     <p:sldId id="261" r:id="rId7"/>
     <p:sldId id="262" r:id="rId8"/>
     <p:sldId id="263" r:id="rId9"/>
+    <p:sldId id="264" r:id="rId10"/>
   </p:sldIdLst>
   <p:sldSz cx="12192000" cy="6858000"/>
   <p:notesSz cx="9144000" cy="6858000"/>
@@ -213,7 +214,7 @@
           <a:p>
             <a:fld id="{8A1B613A-EFF1-404F-BEE8-EFAE84A4E5E2}" type="datetimeFigureOut">
               <a:rPr lang="en-US" smtClean="0"/>
-              <a:t>6/22/21</a:t>
+              <a:t>7/16/21</a:t>
             </a:fld>
             <a:endParaRPr lang="en-US"/>
           </a:p>
@@ -378,7 +379,7 @@
           <a:p>
             <a:fld id="{690847EA-AC25-3D4E-89E1-FD3F6A9702B6}" type="datetimeFigureOut">
               <a:rPr lang="en-US" smtClean="0"/>
-              <a:t>6/22/21</a:t>
+              <a:t>7/16/21</a:t>
             </a:fld>
             <a:endParaRPr lang="en-US"/>
           </a:p>
@@ -792,7 +793,7 @@
           <a:p>
             <a:fld id="{BE5295ED-3BAF-1140-8495-3D368771D6B1}" type="datetimeFigureOut">
               <a:rPr lang="en-US" smtClean="0"/>
-              <a:t>6/22/21</a:t>
+              <a:t>7/16/21</a:t>
             </a:fld>
             <a:endParaRPr lang="en-US"/>
           </a:p>
@@ -990,7 +991,7 @@
           <a:p>
             <a:fld id="{BE5295ED-3BAF-1140-8495-3D368771D6B1}" type="datetimeFigureOut">
               <a:rPr lang="en-US" smtClean="0"/>
-              <a:t>6/22/21</a:t>
+              <a:t>7/16/21</a:t>
             </a:fld>
             <a:endParaRPr lang="en-US"/>
           </a:p>
@@ -1198,7 +1199,7 @@
           <a:p>
             <a:fld id="{BE5295ED-3BAF-1140-8495-3D368771D6B1}" type="datetimeFigureOut">
               <a:rPr lang="en-US" smtClean="0"/>
-              <a:t>6/22/21</a:t>
+              <a:t>7/16/21</a:t>
             </a:fld>
             <a:endParaRPr lang="en-US"/>
           </a:p>
@@ -1396,7 +1397,7 @@
           <a:p>
             <a:fld id="{BE5295ED-3BAF-1140-8495-3D368771D6B1}" type="datetimeFigureOut">
               <a:rPr lang="en-US" smtClean="0"/>
-              <a:t>6/22/21</a:t>
+              <a:t>7/16/21</a:t>
             </a:fld>
             <a:endParaRPr lang="en-US"/>
           </a:p>
@@ -1671,7 +1672,7 @@
           <a:p>
             <a:fld id="{BE5295ED-3BAF-1140-8495-3D368771D6B1}" type="datetimeFigureOut">
               <a:rPr lang="en-US" smtClean="0"/>
-              <a:t>6/22/21</a:t>
+              <a:t>7/16/21</a:t>
             </a:fld>
             <a:endParaRPr lang="en-US"/>
           </a:p>
@@ -1936,7 +1937,7 @@
           <a:p>
             <a:fld id="{BE5295ED-3BAF-1140-8495-3D368771D6B1}" type="datetimeFigureOut">
               <a:rPr lang="en-US" smtClean="0"/>
-              <a:t>6/22/21</a:t>
+              <a:t>7/16/21</a:t>
             </a:fld>
             <a:endParaRPr lang="en-US"/>
           </a:p>
@@ -2348,7 +2349,7 @@
           <a:p>
             <a:fld id="{BE5295ED-3BAF-1140-8495-3D368771D6B1}" type="datetimeFigureOut">
               <a:rPr lang="en-US" smtClean="0"/>
-              <a:t>6/22/21</a:t>
+              <a:t>7/16/21</a:t>
             </a:fld>
             <a:endParaRPr lang="en-US"/>
           </a:p>
@@ -2489,7 +2490,7 @@
           <a:p>
             <a:fld id="{BE5295ED-3BAF-1140-8495-3D368771D6B1}" type="datetimeFigureOut">
               <a:rPr lang="en-US" smtClean="0"/>
-              <a:t>6/22/21</a:t>
+              <a:t>7/16/21</a:t>
             </a:fld>
             <a:endParaRPr lang="en-US"/>
           </a:p>
@@ -2602,7 +2603,7 @@
           <a:p>
             <a:fld id="{BE5295ED-3BAF-1140-8495-3D368771D6B1}" type="datetimeFigureOut">
               <a:rPr lang="en-US" smtClean="0"/>
-              <a:t>6/22/21</a:t>
+              <a:t>7/16/21</a:t>
             </a:fld>
             <a:endParaRPr lang="en-US"/>
           </a:p>
@@ -2913,7 +2914,7 @@
           <a:p>
             <a:fld id="{BE5295ED-3BAF-1140-8495-3D368771D6B1}" type="datetimeFigureOut">
               <a:rPr lang="en-US" smtClean="0"/>
-              <a:t>6/22/21</a:t>
+              <a:t>7/16/21</a:t>
             </a:fld>
             <a:endParaRPr lang="en-US"/>
           </a:p>
@@ -3204,7 +3205,7 @@
           <a:p>
             <a:fld id="{BE5295ED-3BAF-1140-8495-3D368771D6B1}" type="datetimeFigureOut">
               <a:rPr lang="en-US" smtClean="0"/>
-              <a:t>6/22/21</a:t>
+              <a:t>7/16/21</a:t>
             </a:fld>
             <a:endParaRPr lang="en-US"/>
           </a:p>
@@ -3445,7 +3446,7 @@
           <a:p>
             <a:fld id="{BE5295ED-3BAF-1140-8495-3D368771D6B1}" type="datetimeFigureOut">
               <a:rPr lang="en-US" smtClean="0"/>
-              <a:t>6/22/21</a:t>
+              <a:t>7/16/21</a:t>
             </a:fld>
             <a:endParaRPr lang="en-US"/>
           </a:p>
@@ -4166,7 +4167,7 @@
           <a:p>
             <a:r>
               <a:rPr lang="en-US" dirty="0"/>
-              <a:t>Variables are </a:t>
+              <a:t>Variables are really </a:t>
             </a:r>
             <a:r>
               <a:rPr lang="en-US" i="1" dirty="0"/>
@@ -4274,7 +4275,7 @@
           <a:p>
             <a:r>
               <a:rPr lang="en-US" dirty="0"/>
-              <a:t>Two variables x and y can both have the same value 7, but they are both pointing to the same 7 object!</a:t>
+              <a:t>Two variables x and y can both have the same value 7, but they are technically both pointing to the same 7 object!</a:t>
             </a:r>
           </a:p>
           <a:p>
@@ -4288,7 +4289,7 @@
             </a:r>
             <a:r>
               <a:rPr lang="en-US" dirty="0"/>
-              <a:t> function that returns the physical memory address pointed out by </a:t>
+              <a:t> function that returns the physical memory address pointed to by </a:t>
             </a:r>
             <a:r>
               <a:rPr lang="en-US" b="1" dirty="0"/>
@@ -4410,7 +4411,7 @@
           <a:p>
             <a:r>
               <a:rPr lang="en-US" dirty="0"/>
-              <a:t>Aliasing</a:t>
+              <a:t>Aliasing: variables pointing at the same memory region</a:t>
             </a:r>
           </a:p>
         </p:txBody>
@@ -4438,7 +4439,15 @@
           <a:p>
             <a:r>
               <a:rPr lang="en-US" dirty="0"/>
-              <a:t>Assigning one variable to another creates an alias because both variables now point at the same memory location</a:t>
+              <a:t>Assigning one variable to another creates an </a:t>
+            </a:r>
+            <a:r>
+              <a:rPr lang="en-US" i="1" dirty="0"/>
+              <a:t>alias</a:t>
+            </a:r>
+            <a:r>
+              <a:rPr lang="en-US" dirty="0"/>
+              <a:t> because both variables now point at the same memory location</a:t>
             </a:r>
           </a:p>
           <a:p>
@@ -4595,7 +4604,7 @@
           <a:p>
             <a:r>
               <a:rPr lang="en-US" dirty="0"/>
-              <a:t>Each […] list literal creates a new list even if the elements within the list are the same</a:t>
+              <a:t>Each […] list literal creates a new list even if the elements within the lists are the same</a:t>
             </a:r>
           </a:p>
         </p:txBody>
@@ -4762,7 +4771,7 @@
             </a:r>
             <a:r>
               <a:rPr lang="en-US" dirty="0"/>
-              <a:t> share the same list (same region of memory), then changing one changes the other:</a:t>
+              <a:t> share the same list (same region of memory), however, then changing one changes the other!!!</a:t>
             </a:r>
           </a:p>
         </p:txBody>
@@ -5199,6 +5208,210 @@
     <p:extLst>
       <p:ext uri="{BB962C8B-B14F-4D97-AF65-F5344CB8AC3E}">
         <p14:creationId xmlns:p14="http://schemas.microsoft.com/office/powerpoint/2010/main" val="3396638526"/>
+      </p:ext>
+    </p:extLst>
+  </p:cSld>
+  <p:clrMapOvr>
+    <a:masterClrMapping/>
+  </p:clrMapOvr>
+</p:sld>
+</file>
+
+<file path=ppt/slides/slide9.xml><?xml version="1.0" encoding="utf-8"?>
+<p:sld xmlns:a="http://schemas.openxmlformats.org/drawingml/2006/main" xmlns:r="http://schemas.openxmlformats.org/officeDocument/2006/relationships" xmlns:p="http://schemas.openxmlformats.org/presentationml/2006/main">
+  <p:cSld>
+    <p:spTree>
+      <p:nvGrpSpPr>
+        <p:cNvPr id="1" name=""/>
+        <p:cNvGrpSpPr/>
+        <p:nvPr/>
+      </p:nvGrpSpPr>
+      <p:grpSpPr>
+        <a:xfrm>
+          <a:off x="0" y="0"/>
+          <a:ext cx="0" cy="0"/>
+          <a:chOff x="0" y="0"/>
+          <a:chExt cx="0" cy="0"/>
+        </a:xfrm>
+      </p:grpSpPr>
+      <p:pic>
+        <p:nvPicPr>
+          <p:cNvPr id="9" name="Picture 8" descr="Text&#10;&#10;Description automatically generated">
+            <a:extLst>
+              <a:ext uri="{FF2B5EF4-FFF2-40B4-BE49-F238E27FC236}">
+                <a16:creationId xmlns:a16="http://schemas.microsoft.com/office/drawing/2014/main" id="{E293A1EC-8ACF-E642-A101-BD44907593AF}"/>
+              </a:ext>
+            </a:extLst>
+          </p:cNvPr>
+          <p:cNvPicPr>
+            <a:picLocks noChangeAspect="1"/>
+          </p:cNvPicPr>
+          <p:nvPr/>
+        </p:nvPicPr>
+        <p:blipFill>
+          <a:blip r:embed="rId2"/>
+          <a:stretch>
+            <a:fillRect/>
+          </a:stretch>
+        </p:blipFill>
+        <p:spPr>
+          <a:xfrm>
+            <a:off x="1104900" y="2440402"/>
+            <a:ext cx="6565900" cy="3517900"/>
+          </a:xfrm>
+          <a:prstGeom prst="rect">
+            <a:avLst/>
+          </a:prstGeom>
+        </p:spPr>
+      </p:pic>
+      <p:sp>
+        <p:nvSpPr>
+          <p:cNvPr id="2" name="Title 1">
+            <a:extLst>
+              <a:ext uri="{FF2B5EF4-FFF2-40B4-BE49-F238E27FC236}">
+                <a16:creationId xmlns:a16="http://schemas.microsoft.com/office/drawing/2014/main" id="{0661DBEC-D4B1-0A4C-A563-F94A5D91E62F}"/>
+              </a:ext>
+            </a:extLst>
+          </p:cNvPr>
+          <p:cNvSpPr>
+            <a:spLocks noGrp="1"/>
+          </p:cNvSpPr>
+          <p:nvPr>
+            <p:ph type="title"/>
+          </p:nvPr>
+        </p:nvSpPr>
+        <p:spPr>
+          <a:xfrm>
+            <a:off x="838200" y="365125"/>
+            <a:ext cx="10515600" cy="1006475"/>
+          </a:xfrm>
+        </p:spPr>
+        <p:txBody>
+          <a:bodyPr>
+            <a:normAutofit fontScale="90000"/>
+          </a:bodyPr>
+          <a:lstStyle/>
+          <a:p>
+            <a:r>
+              <a:rPr lang="en-US" dirty="0"/>
+              <a:t>Warning: Functions can alter the contents of aliased arguments (preview of </a:t>
+            </a:r>
+            <a:r>
+              <a:rPr lang="en-US" dirty="0" err="1"/>
+              <a:t>funcs</a:t>
+            </a:r>
+            <a:r>
+              <a:rPr lang="en-US" dirty="0"/>
+              <a:t>)</a:t>
+            </a:r>
+          </a:p>
+        </p:txBody>
+      </p:sp>
+      <p:sp>
+        <p:nvSpPr>
+          <p:cNvPr id="3" name="Content Placeholder 2">
+            <a:extLst>
+              <a:ext uri="{FF2B5EF4-FFF2-40B4-BE49-F238E27FC236}">
+                <a16:creationId xmlns:a16="http://schemas.microsoft.com/office/drawing/2014/main" id="{554CEE95-0157-E34C-8BD2-6A9B68C27E11}"/>
+              </a:ext>
+            </a:extLst>
+          </p:cNvPr>
+          <p:cNvSpPr>
+            <a:spLocks noGrp="1"/>
+          </p:cNvSpPr>
+          <p:nvPr>
+            <p:ph idx="1"/>
+          </p:nvPr>
+        </p:nvSpPr>
+        <p:spPr>
+          <a:xfrm>
+            <a:off x="838200" y="1590261"/>
+            <a:ext cx="10515600" cy="4586702"/>
+          </a:xfrm>
+        </p:spPr>
+        <p:txBody>
+          <a:bodyPr/>
+          <a:lstStyle/>
+          <a:p>
+            <a:r>
+              <a:rPr lang="en-US" dirty="0"/>
+              <a:t>If </a:t>
+            </a:r>
+            <a:r>
+              <a:rPr lang="en-US" b="1" dirty="0" err="1"/>
+              <a:t>badsum</a:t>
+            </a:r>
+            <a:r>
+              <a:rPr lang="en-US" dirty="0"/>
+              <a:t>() alters the argument, it also alters the global since they point at the same data</a:t>
+            </a:r>
+          </a:p>
+        </p:txBody>
+      </p:sp>
+      <p:pic>
+        <p:nvPicPr>
+          <p:cNvPr id="5" name="Picture 4" descr="Table&#10;&#10;Description automatically generated">
+            <a:extLst>
+              <a:ext uri="{FF2B5EF4-FFF2-40B4-BE49-F238E27FC236}">
+                <a16:creationId xmlns:a16="http://schemas.microsoft.com/office/drawing/2014/main" id="{8A456FEC-38F4-7140-8631-D95B3EA8B585}"/>
+              </a:ext>
+            </a:extLst>
+          </p:cNvPr>
+          <p:cNvPicPr>
+            <a:picLocks noChangeAspect="1"/>
+          </p:cNvPicPr>
+          <p:nvPr/>
+        </p:nvPicPr>
+        <p:blipFill>
+          <a:blip r:embed="rId3"/>
+          <a:stretch>
+            <a:fillRect/>
+          </a:stretch>
+        </p:blipFill>
+        <p:spPr>
+          <a:xfrm>
+            <a:off x="5778500" y="2104613"/>
+            <a:ext cx="6347454" cy="2069822"/>
+          </a:xfrm>
+          <a:prstGeom prst="rect">
+            <a:avLst/>
+          </a:prstGeom>
+        </p:spPr>
+      </p:pic>
+      <p:pic>
+        <p:nvPicPr>
+          <p:cNvPr id="7" name="Picture 6" descr="A picture containing text&#10;&#10;Description automatically generated">
+            <a:extLst>
+              <a:ext uri="{FF2B5EF4-FFF2-40B4-BE49-F238E27FC236}">
+                <a16:creationId xmlns:a16="http://schemas.microsoft.com/office/drawing/2014/main" id="{29C91A77-86C6-5042-8264-E62E7C738568}"/>
+              </a:ext>
+            </a:extLst>
+          </p:cNvPr>
+          <p:cNvPicPr>
+            <a:picLocks noChangeAspect="1"/>
+          </p:cNvPicPr>
+          <p:nvPr/>
+        </p:nvPicPr>
+        <p:blipFill>
+          <a:blip r:embed="rId4"/>
+          <a:stretch>
+            <a:fillRect/>
+          </a:stretch>
+        </p:blipFill>
+        <p:spPr>
+          <a:xfrm>
+            <a:off x="1104900" y="6107390"/>
+            <a:ext cx="4991100" cy="647700"/>
+          </a:xfrm>
+          <a:prstGeom prst="rect">
+            <a:avLst/>
+          </a:prstGeom>
+        </p:spPr>
+      </p:pic>
+    </p:spTree>
+    <p:extLst>
+      <p:ext uri="{BB962C8B-B14F-4D97-AF65-F5344CB8AC3E}">
+        <p14:creationId xmlns:p14="http://schemas.microsoft.com/office/powerpoint/2010/main" val="895653580"/>
       </p:ext>
     </p:extLst>
   </p:cSld>

--- a/slides/aliasing.pptx
+++ b/slides/aliasing.pptx
@@ -214,7 +214,7 @@
           <a:p>
             <a:fld id="{8A1B613A-EFF1-404F-BEE8-EFAE84A4E5E2}" type="datetimeFigureOut">
               <a:rPr lang="en-US" smtClean="0"/>
-              <a:t>7/16/21</a:t>
+              <a:t>7/19/21</a:t>
             </a:fld>
             <a:endParaRPr lang="en-US"/>
           </a:p>
@@ -379,7 +379,7 @@
           <a:p>
             <a:fld id="{690847EA-AC25-3D4E-89E1-FD3F6A9702B6}" type="datetimeFigureOut">
               <a:rPr lang="en-US" smtClean="0"/>
-              <a:t>7/16/21</a:t>
+              <a:t>7/19/21</a:t>
             </a:fld>
             <a:endParaRPr lang="en-US"/>
           </a:p>
@@ -793,7 +793,7 @@
           <a:p>
             <a:fld id="{BE5295ED-3BAF-1140-8495-3D368771D6B1}" type="datetimeFigureOut">
               <a:rPr lang="en-US" smtClean="0"/>
-              <a:t>7/16/21</a:t>
+              <a:t>7/19/21</a:t>
             </a:fld>
             <a:endParaRPr lang="en-US"/>
           </a:p>
@@ -991,7 +991,7 @@
           <a:p>
             <a:fld id="{BE5295ED-3BAF-1140-8495-3D368771D6B1}" type="datetimeFigureOut">
               <a:rPr lang="en-US" smtClean="0"/>
-              <a:t>7/16/21</a:t>
+              <a:t>7/19/21</a:t>
             </a:fld>
             <a:endParaRPr lang="en-US"/>
           </a:p>
@@ -1199,7 +1199,7 @@
           <a:p>
             <a:fld id="{BE5295ED-3BAF-1140-8495-3D368771D6B1}" type="datetimeFigureOut">
               <a:rPr lang="en-US" smtClean="0"/>
-              <a:t>7/16/21</a:t>
+              <a:t>7/19/21</a:t>
             </a:fld>
             <a:endParaRPr lang="en-US"/>
           </a:p>
@@ -1397,7 +1397,7 @@
           <a:p>
             <a:fld id="{BE5295ED-3BAF-1140-8495-3D368771D6B1}" type="datetimeFigureOut">
               <a:rPr lang="en-US" smtClean="0"/>
-              <a:t>7/16/21</a:t>
+              <a:t>7/19/21</a:t>
             </a:fld>
             <a:endParaRPr lang="en-US"/>
           </a:p>
@@ -1672,7 +1672,7 @@
           <a:p>
             <a:fld id="{BE5295ED-3BAF-1140-8495-3D368771D6B1}" type="datetimeFigureOut">
               <a:rPr lang="en-US" smtClean="0"/>
-              <a:t>7/16/21</a:t>
+              <a:t>7/19/21</a:t>
             </a:fld>
             <a:endParaRPr lang="en-US"/>
           </a:p>
@@ -1937,7 +1937,7 @@
           <a:p>
             <a:fld id="{BE5295ED-3BAF-1140-8495-3D368771D6B1}" type="datetimeFigureOut">
               <a:rPr lang="en-US" smtClean="0"/>
-              <a:t>7/16/21</a:t>
+              <a:t>7/19/21</a:t>
             </a:fld>
             <a:endParaRPr lang="en-US"/>
           </a:p>
@@ -2349,7 +2349,7 @@
           <a:p>
             <a:fld id="{BE5295ED-3BAF-1140-8495-3D368771D6B1}" type="datetimeFigureOut">
               <a:rPr lang="en-US" smtClean="0"/>
-              <a:t>7/16/21</a:t>
+              <a:t>7/19/21</a:t>
             </a:fld>
             <a:endParaRPr lang="en-US"/>
           </a:p>
@@ -2490,7 +2490,7 @@
           <a:p>
             <a:fld id="{BE5295ED-3BAF-1140-8495-3D368771D6B1}" type="datetimeFigureOut">
               <a:rPr lang="en-US" smtClean="0"/>
-              <a:t>7/16/21</a:t>
+              <a:t>7/19/21</a:t>
             </a:fld>
             <a:endParaRPr lang="en-US"/>
           </a:p>
@@ -2603,7 +2603,7 @@
           <a:p>
             <a:fld id="{BE5295ED-3BAF-1140-8495-3D368771D6B1}" type="datetimeFigureOut">
               <a:rPr lang="en-US" smtClean="0"/>
-              <a:t>7/16/21</a:t>
+              <a:t>7/19/21</a:t>
             </a:fld>
             <a:endParaRPr lang="en-US"/>
           </a:p>
@@ -2914,7 +2914,7 @@
           <a:p>
             <a:fld id="{BE5295ED-3BAF-1140-8495-3D368771D6B1}" type="datetimeFigureOut">
               <a:rPr lang="en-US" smtClean="0"/>
-              <a:t>7/16/21</a:t>
+              <a:t>7/19/21</a:t>
             </a:fld>
             <a:endParaRPr lang="en-US"/>
           </a:p>
@@ -3205,7 +3205,7 @@
           <a:p>
             <a:fld id="{BE5295ED-3BAF-1140-8495-3D368771D6B1}" type="datetimeFigureOut">
               <a:rPr lang="en-US" smtClean="0"/>
-              <a:t>7/16/21</a:t>
+              <a:t>7/19/21</a:t>
             </a:fld>
             <a:endParaRPr lang="en-US"/>
           </a:p>
@@ -3446,7 +3446,7 @@
           <a:p>
             <a:fld id="{BE5295ED-3BAF-1140-8495-3D368771D6B1}" type="datetimeFigureOut">
               <a:rPr lang="en-US" smtClean="0"/>
-              <a:t>7/16/21</a:t>
+              <a:t>7/19/21</a:t>
             </a:fld>
             <a:endParaRPr lang="en-US"/>
           </a:p>

--- a/slides/aliasing.pptx
+++ b/slides/aliasing.pptx
@@ -214,7 +214,7 @@
           <a:p>
             <a:fld id="{8A1B613A-EFF1-404F-BEE8-EFAE84A4E5E2}" type="datetimeFigureOut">
               <a:rPr lang="en-US" smtClean="0"/>
-              <a:t>7/19/21</a:t>
+              <a:t>7/23/21</a:t>
             </a:fld>
             <a:endParaRPr lang="en-US"/>
           </a:p>
@@ -379,7 +379,7 @@
           <a:p>
             <a:fld id="{690847EA-AC25-3D4E-89E1-FD3F6A9702B6}" type="datetimeFigureOut">
               <a:rPr lang="en-US" smtClean="0"/>
-              <a:t>7/19/21</a:t>
+              <a:t>7/23/21</a:t>
             </a:fld>
             <a:endParaRPr lang="en-US"/>
           </a:p>
@@ -793,7 +793,7 @@
           <a:p>
             <a:fld id="{BE5295ED-3BAF-1140-8495-3D368771D6B1}" type="datetimeFigureOut">
               <a:rPr lang="en-US" smtClean="0"/>
-              <a:t>7/19/21</a:t>
+              <a:t>7/23/21</a:t>
             </a:fld>
             <a:endParaRPr lang="en-US"/>
           </a:p>
@@ -991,7 +991,7 @@
           <a:p>
             <a:fld id="{BE5295ED-3BAF-1140-8495-3D368771D6B1}" type="datetimeFigureOut">
               <a:rPr lang="en-US" smtClean="0"/>
-              <a:t>7/19/21</a:t>
+              <a:t>7/23/21</a:t>
             </a:fld>
             <a:endParaRPr lang="en-US"/>
           </a:p>
@@ -1199,7 +1199,7 @@
           <a:p>
             <a:fld id="{BE5295ED-3BAF-1140-8495-3D368771D6B1}" type="datetimeFigureOut">
               <a:rPr lang="en-US" smtClean="0"/>
-              <a:t>7/19/21</a:t>
+              <a:t>7/23/21</a:t>
             </a:fld>
             <a:endParaRPr lang="en-US"/>
           </a:p>
@@ -1397,7 +1397,7 @@
           <a:p>
             <a:fld id="{BE5295ED-3BAF-1140-8495-3D368771D6B1}" type="datetimeFigureOut">
               <a:rPr lang="en-US" smtClean="0"/>
-              <a:t>7/19/21</a:t>
+              <a:t>7/23/21</a:t>
             </a:fld>
             <a:endParaRPr lang="en-US"/>
           </a:p>
@@ -1672,7 +1672,7 @@
           <a:p>
             <a:fld id="{BE5295ED-3BAF-1140-8495-3D368771D6B1}" type="datetimeFigureOut">
               <a:rPr lang="en-US" smtClean="0"/>
-              <a:t>7/19/21</a:t>
+              <a:t>7/23/21</a:t>
             </a:fld>
             <a:endParaRPr lang="en-US"/>
           </a:p>
@@ -1937,7 +1937,7 @@
           <a:p>
             <a:fld id="{BE5295ED-3BAF-1140-8495-3D368771D6B1}" type="datetimeFigureOut">
               <a:rPr lang="en-US" smtClean="0"/>
-              <a:t>7/19/21</a:t>
+              <a:t>7/23/21</a:t>
             </a:fld>
             <a:endParaRPr lang="en-US"/>
           </a:p>
@@ -2349,7 +2349,7 @@
           <a:p>
             <a:fld id="{BE5295ED-3BAF-1140-8495-3D368771D6B1}" type="datetimeFigureOut">
               <a:rPr lang="en-US" smtClean="0"/>
-              <a:t>7/19/21</a:t>
+              <a:t>7/23/21</a:t>
             </a:fld>
             <a:endParaRPr lang="en-US"/>
           </a:p>
@@ -2490,7 +2490,7 @@
           <a:p>
             <a:fld id="{BE5295ED-3BAF-1140-8495-3D368771D6B1}" type="datetimeFigureOut">
               <a:rPr lang="en-US" smtClean="0"/>
-              <a:t>7/19/21</a:t>
+              <a:t>7/23/21</a:t>
             </a:fld>
             <a:endParaRPr lang="en-US"/>
           </a:p>
@@ -2603,7 +2603,7 @@
           <a:p>
             <a:fld id="{BE5295ED-3BAF-1140-8495-3D368771D6B1}" type="datetimeFigureOut">
               <a:rPr lang="en-US" smtClean="0"/>
-              <a:t>7/19/21</a:t>
+              <a:t>7/23/21</a:t>
             </a:fld>
             <a:endParaRPr lang="en-US"/>
           </a:p>
@@ -2914,7 +2914,7 @@
           <a:p>
             <a:fld id="{BE5295ED-3BAF-1140-8495-3D368771D6B1}" type="datetimeFigureOut">
               <a:rPr lang="en-US" smtClean="0"/>
-              <a:t>7/19/21</a:t>
+              <a:t>7/23/21</a:t>
             </a:fld>
             <a:endParaRPr lang="en-US"/>
           </a:p>
@@ -3205,7 +3205,7 @@
           <a:p>
             <a:fld id="{BE5295ED-3BAF-1140-8495-3D368771D6B1}" type="datetimeFigureOut">
               <a:rPr lang="en-US" smtClean="0"/>
-              <a:t>7/19/21</a:t>
+              <a:t>7/23/21</a:t>
             </a:fld>
             <a:endParaRPr lang="en-US"/>
           </a:p>
@@ -3446,7 +3446,7 @@
           <a:p>
             <a:fld id="{BE5295ED-3BAF-1140-8495-3D368771D6B1}" type="datetimeFigureOut">
               <a:rPr lang="en-US" smtClean="0"/>
-              <a:t>7/19/21</a:t>
+              <a:t>7/23/21</a:t>
             </a:fld>
             <a:endParaRPr lang="en-US"/>
           </a:p>
@@ -4961,17 +4961,17 @@
           <a:p>
             <a:r>
               <a:rPr lang="en-US" dirty="0"/>
-              <a:t>Don't confuse changing the pointer to the list with changing the list elements:</a:t>
+              <a:t>Don't confuse changing the pointer to a list with changing the list elements:</a:t>
             </a:r>
           </a:p>
         </p:txBody>
       </p:sp>
       <p:pic>
         <p:nvPicPr>
-          <p:cNvPr id="8" name="Content Placeholder 4" descr="Table&#10;&#10;Description automatically generated with low confidence">
-            <a:extLst>
-              <a:ext uri="{FF2B5EF4-FFF2-40B4-BE49-F238E27FC236}">
-                <a16:creationId xmlns:a16="http://schemas.microsoft.com/office/drawing/2014/main" id="{8491F06B-A3B2-A644-8F8D-C24D53FAF704}"/>
+          <p:cNvPr id="6" name="Picture 5">
+            <a:extLst>
+              <a:ext uri="{FF2B5EF4-FFF2-40B4-BE49-F238E27FC236}">
+                <a16:creationId xmlns:a16="http://schemas.microsoft.com/office/drawing/2014/main" id="{40D75E59-2B28-0342-A275-A6B6CC7EC60A}"/>
               </a:ext>
             </a:extLst>
           </p:cNvPr>
@@ -4988,14 +4988,168 @@
         </p:blipFill>
         <p:spPr>
           <a:xfrm>
-            <a:off x="3552687" y="2835931"/>
-            <a:ext cx="5384800" cy="3086100"/>
+            <a:off x="3813865" y="2702685"/>
+            <a:ext cx="3073400" cy="3454400"/>
           </a:xfrm>
           <a:prstGeom prst="rect">
             <a:avLst/>
           </a:prstGeom>
         </p:spPr>
       </p:pic>
+      <p:sp>
+        <p:nvSpPr>
+          <p:cNvPr id="9" name="TextBox 8">
+            <a:extLst>
+              <a:ext uri="{FF2B5EF4-FFF2-40B4-BE49-F238E27FC236}">
+                <a16:creationId xmlns:a16="http://schemas.microsoft.com/office/drawing/2014/main" id="{F208F22F-5320-7640-8E53-52C1BBB193E9}"/>
+              </a:ext>
+            </a:extLst>
+          </p:cNvPr>
+          <p:cNvSpPr txBox="1"/>
+          <p:nvPr/>
+        </p:nvSpPr>
+        <p:spPr>
+          <a:xfrm>
+            <a:off x="8189843" y="3429000"/>
+            <a:ext cx="2302233" cy="369332"/>
+          </a:xfrm>
+          <a:prstGeom prst="rect">
+            <a:avLst/>
+          </a:prstGeom>
+          <a:noFill/>
+        </p:spPr>
+        <p:txBody>
+          <a:bodyPr wrap="none" rtlCol="0">
+            <a:spAutoFit/>
+          </a:bodyPr>
+          <a:lstStyle/>
+          <a:p>
+            <a:r>
+              <a:rPr lang="en-US" dirty="0"/>
+              <a:t>Doesn't change 'you'</a:t>
+            </a:r>
+          </a:p>
+        </p:txBody>
+      </p:sp>
+      <p:cxnSp>
+        <p:nvCxnSpPr>
+          <p:cNvPr id="11" name="Straight Arrow Connector 10">
+            <a:extLst>
+              <a:ext uri="{FF2B5EF4-FFF2-40B4-BE49-F238E27FC236}">
+                <a16:creationId xmlns:a16="http://schemas.microsoft.com/office/drawing/2014/main" id="{F5C827E9-6322-8942-BF2D-7A70FC13080E}"/>
+              </a:ext>
+            </a:extLst>
+          </p:cNvPr>
+          <p:cNvCxnSpPr>
+            <a:cxnSpLocks/>
+            <a:stCxn id="9" idx="1"/>
+          </p:cNvCxnSpPr>
+          <p:nvPr/>
+        </p:nvCxnSpPr>
+        <p:spPr>
+          <a:xfrm flipH="1">
+            <a:off x="5864087" y="3613666"/>
+            <a:ext cx="2325756" cy="33995"/>
+          </a:xfrm>
+          <a:prstGeom prst="straightConnector1">
+            <a:avLst/>
+          </a:prstGeom>
+          <a:ln>
+            <a:tailEnd type="triangle"/>
+          </a:ln>
+        </p:spPr>
+        <p:style>
+          <a:lnRef idx="1">
+            <a:schemeClr val="accent1"/>
+          </a:lnRef>
+          <a:fillRef idx="0">
+            <a:schemeClr val="accent1"/>
+          </a:fillRef>
+          <a:effectRef idx="0">
+            <a:schemeClr val="accent1"/>
+          </a:effectRef>
+          <a:fontRef idx="minor">
+            <a:schemeClr val="tx1"/>
+          </a:fontRef>
+        </p:style>
+      </p:cxnSp>
+      <p:sp>
+        <p:nvSpPr>
+          <p:cNvPr id="13" name="TextBox 12">
+            <a:extLst>
+              <a:ext uri="{FF2B5EF4-FFF2-40B4-BE49-F238E27FC236}">
+                <a16:creationId xmlns:a16="http://schemas.microsoft.com/office/drawing/2014/main" id="{E4251EF0-7489-0141-BA55-D6113E937AF6}"/>
+              </a:ext>
+            </a:extLst>
+          </p:cNvPr>
+          <p:cNvSpPr txBox="1"/>
+          <p:nvPr/>
+        </p:nvSpPr>
+        <p:spPr>
+          <a:xfrm>
+            <a:off x="8189843" y="3109397"/>
+            <a:ext cx="1630575" cy="369332"/>
+          </a:xfrm>
+          <a:prstGeom prst="rect">
+            <a:avLst/>
+          </a:prstGeom>
+          <a:noFill/>
+        </p:spPr>
+        <p:txBody>
+          <a:bodyPr wrap="none" rtlCol="0">
+            <a:spAutoFit/>
+          </a:bodyPr>
+          <a:lstStyle/>
+          <a:p>
+            <a:r>
+              <a:rPr lang="en-US" dirty="0"/>
+              <a:t>Changes 'you'</a:t>
+            </a:r>
+          </a:p>
+        </p:txBody>
+      </p:sp>
+      <p:cxnSp>
+        <p:nvCxnSpPr>
+          <p:cNvPr id="14" name="Straight Arrow Connector 13">
+            <a:extLst>
+              <a:ext uri="{FF2B5EF4-FFF2-40B4-BE49-F238E27FC236}">
+                <a16:creationId xmlns:a16="http://schemas.microsoft.com/office/drawing/2014/main" id="{1DA74925-D11D-4A45-B23C-BB3147839D9B}"/>
+              </a:ext>
+            </a:extLst>
+          </p:cNvPr>
+          <p:cNvCxnSpPr>
+            <a:cxnSpLocks/>
+            <a:stCxn id="13" idx="1"/>
+          </p:cNvCxnSpPr>
+          <p:nvPr/>
+        </p:nvCxnSpPr>
+        <p:spPr>
+          <a:xfrm flipH="1">
+            <a:off x="5864087" y="3294063"/>
+            <a:ext cx="2325756" cy="33995"/>
+          </a:xfrm>
+          <a:prstGeom prst="straightConnector1">
+            <a:avLst/>
+          </a:prstGeom>
+          <a:ln>
+            <a:tailEnd type="triangle"/>
+          </a:ln>
+        </p:spPr>
+        <p:style>
+          <a:lnRef idx="1">
+            <a:schemeClr val="accent1"/>
+          </a:lnRef>
+          <a:fillRef idx="0">
+            <a:schemeClr val="accent1"/>
+          </a:fillRef>
+          <a:effectRef idx="0">
+            <a:schemeClr val="accent1"/>
+          </a:effectRef>
+          <a:fontRef idx="minor">
+            <a:schemeClr val="tx1"/>
+          </a:fontRef>
+        </p:style>
+      </p:cxnSp>
     </p:spTree>
     <p:extLst>
       <p:ext uri="{BB962C8B-B14F-4D97-AF65-F5344CB8AC3E}">
